--- a/Parfümvilág.pptx
+++ b/Parfümvilág.pptx
@@ -373,7 +373,7 @@
             <a:fld id="{B61BEF0D-F0BB-DE4B-95CE-6DB70DBA9567}" type="datetimeFigureOut">
               <a:rPr lang="en-US" dirty="0"/>
               <a:pPr/>
-              <a:t>4/14/2025</a:t>
+              <a:t>5/3/2025</a:t>
             </a:fld>
             <a:endParaRPr lang="en-US" dirty="0"/>
           </a:p>
@@ -632,7 +632,7 @@
             <a:fld id="{B61BEF0D-F0BB-DE4B-95CE-6DB70DBA9567}" type="datetimeFigureOut">
               <a:rPr lang="en-US" dirty="0"/>
               <a:pPr/>
-              <a:t>4/14/2025</a:t>
+              <a:t>5/3/2025</a:t>
             </a:fld>
             <a:endParaRPr lang="en-US" dirty="0"/>
           </a:p>
@@ -864,7 +864,7 @@
             <a:fld id="{B61BEF0D-F0BB-DE4B-95CE-6DB70DBA9567}" type="datetimeFigureOut">
               <a:rPr lang="en-US" dirty="0"/>
               <a:pPr/>
-              <a:t>4/14/2025</a:t>
+              <a:t>5/3/2025</a:t>
             </a:fld>
             <a:endParaRPr lang="en-US" dirty="0"/>
           </a:p>
@@ -1101,7 +1101,7 @@
             <a:fld id="{B61BEF0D-F0BB-DE4B-95CE-6DB70DBA9567}" type="datetimeFigureOut">
               <a:rPr lang="en-US" dirty="0"/>
               <a:pPr/>
-              <a:t>4/14/2025</a:t>
+              <a:t>5/3/2025</a:t>
             </a:fld>
             <a:endParaRPr lang="en-US" dirty="0"/>
           </a:p>
@@ -1405,7 +1405,7 @@
             <a:fld id="{B61BEF0D-F0BB-DE4B-95CE-6DB70DBA9567}" type="datetimeFigureOut">
               <a:rPr lang="en-US" dirty="0"/>
               <a:pPr/>
-              <a:t>4/14/2025</a:t>
+              <a:t>5/3/2025</a:t>
             </a:fld>
             <a:endParaRPr lang="en-US" dirty="0"/>
           </a:p>
@@ -1704,7 +1704,7 @@
             <a:fld id="{B61BEF0D-F0BB-DE4B-95CE-6DB70DBA9567}" type="datetimeFigureOut">
               <a:rPr lang="en-US" dirty="0"/>
               <a:pPr/>
-              <a:t>4/14/2025</a:t>
+              <a:t>5/3/2025</a:t>
             </a:fld>
             <a:endParaRPr lang="en-US" dirty="0"/>
           </a:p>
@@ -2123,7 +2123,7 @@
             <a:fld id="{B61BEF0D-F0BB-DE4B-95CE-6DB70DBA9567}" type="datetimeFigureOut">
               <a:rPr lang="en-US" dirty="0"/>
               <a:pPr/>
-              <a:t>4/14/2025</a:t>
+              <a:t>5/3/2025</a:t>
             </a:fld>
             <a:endParaRPr lang="en-US" dirty="0"/>
           </a:p>
@@ -2282,7 +2282,7 @@
             <a:fld id="{B61BEF0D-F0BB-DE4B-95CE-6DB70DBA9567}" type="datetimeFigureOut">
               <a:rPr lang="en-US" dirty="0"/>
               <a:pPr/>
-              <a:t>4/14/2025</a:t>
+              <a:t>5/3/2025</a:t>
             </a:fld>
             <a:endParaRPr lang="en-US" dirty="0"/>
           </a:p>
@@ -2374,7 +2374,7 @@
             <a:fld id="{B61BEF0D-F0BB-DE4B-95CE-6DB70DBA9567}" type="datetimeFigureOut">
               <a:rPr lang="en-US" dirty="0"/>
               <a:pPr/>
-              <a:t>4/14/2025</a:t>
+              <a:t>5/3/2025</a:t>
             </a:fld>
             <a:endParaRPr lang="en-US" dirty="0"/>
           </a:p>
@@ -2749,7 +2749,7 @@
             <a:fld id="{B61BEF0D-F0BB-DE4B-95CE-6DB70DBA9567}" type="datetimeFigureOut">
               <a:rPr lang="en-US" dirty="0"/>
               <a:pPr/>
-              <a:t>4/14/2025</a:t>
+              <a:t>5/3/2025</a:t>
             </a:fld>
             <a:endParaRPr lang="en-US" dirty="0"/>
           </a:p>
@@ -3035,7 +3035,7 @@
             <a:fld id="{B61BEF0D-F0BB-DE4B-95CE-6DB70DBA9567}" type="datetimeFigureOut">
               <a:rPr lang="en-US" dirty="0"/>
               <a:pPr/>
-              <a:t>4/14/2025</a:t>
+              <a:t>5/3/2025</a:t>
             </a:fld>
             <a:endParaRPr lang="en-US" dirty="0"/>
           </a:p>
@@ -3243,7 +3243,7 @@
             <a:fld id="{B61BEF0D-F0BB-DE4B-95CE-6DB70DBA9567}" type="datetimeFigureOut">
               <a:rPr lang="en-US" dirty="0"/>
               <a:pPr/>
-              <a:t>4/14/2025</a:t>
+              <a:t>5/3/2025</a:t>
             </a:fld>
             <a:endParaRPr lang="en-US" dirty="0"/>
           </a:p>
@@ -4033,36 +4033,6 @@
       </p:sp>
       <p:pic>
         <p:nvPicPr>
-          <p:cNvPr id="5" name="Kép 4">
-            <a:extLst>
-              <a:ext uri="{FF2B5EF4-FFF2-40B4-BE49-F238E27FC236}">
-                <a16:creationId xmlns:a16="http://schemas.microsoft.com/office/drawing/2014/main" id="{47EB17AE-5C7E-4F0D-85DA-17F6A9B8DFB9}"/>
-              </a:ext>
-            </a:extLst>
-          </p:cNvPr>
-          <p:cNvPicPr>
-            <a:picLocks noChangeAspect="1"/>
-          </p:cNvPicPr>
-          <p:nvPr/>
-        </p:nvPicPr>
-        <p:blipFill>
-          <a:blip r:embed="rId2"/>
-          <a:stretch>
-            <a:fillRect/>
-          </a:stretch>
-        </p:blipFill>
-        <p:spPr>
-          <a:xfrm>
-            <a:off x="2074310" y="2354532"/>
-            <a:ext cx="2842506" cy="3330229"/>
-          </a:xfrm>
-          <a:prstGeom prst="rect">
-            <a:avLst/>
-          </a:prstGeom>
-        </p:spPr>
-      </p:pic>
-      <p:pic>
-        <p:nvPicPr>
           <p:cNvPr id="6" name="Kép 5">
             <a:extLst>
               <a:ext uri="{FF2B5EF4-FFF2-40B4-BE49-F238E27FC236}">
@@ -4076,7 +4046,7 @@
           <p:nvPr/>
         </p:nvPicPr>
         <p:blipFill>
-          <a:blip r:embed="rId3"/>
+          <a:blip r:embed="rId2"/>
           <a:stretch>
             <a:fillRect/>
           </a:stretch>
@@ -4106,7 +4076,7 @@
           <p:nvPr/>
         </p:nvPicPr>
         <p:blipFill>
-          <a:blip r:embed="rId4"/>
+          <a:blip r:embed="rId3"/>
           <a:stretch>
             <a:fillRect/>
           </a:stretch>
@@ -4136,7 +4106,7 @@
           <p:nvPr/>
         </p:nvPicPr>
         <p:blipFill>
-          <a:blip r:embed="rId5"/>
+          <a:blip r:embed="rId4"/>
           <a:stretch>
             <a:fillRect/>
           </a:stretch>
@@ -6495,10 +6465,10 @@
       </p:sp>
       <p:pic>
         <p:nvPicPr>
-          <p:cNvPr id="4" name="Kép 3">
+          <p:cNvPr id="7" name="Kép 6">
             <a:extLst>
               <a:ext uri="{FF2B5EF4-FFF2-40B4-BE49-F238E27FC236}">
-                <a16:creationId xmlns:a16="http://schemas.microsoft.com/office/drawing/2014/main" id="{FA125330-7552-489A-91CB-890216D0DBA8}"/>
+                <a16:creationId xmlns:a16="http://schemas.microsoft.com/office/drawing/2014/main" id="{0E471940-49C1-B31A-5337-59150DEF2863}"/>
               </a:ext>
             </a:extLst>
           </p:cNvPr>
@@ -6515,8 +6485,8 @@
         </p:blipFill>
         <p:spPr>
           <a:xfrm>
-            <a:off x="4500979" y="2003546"/>
-            <a:ext cx="5868468" cy="2328757"/>
+            <a:off x="4905375" y="1793445"/>
+            <a:ext cx="6445792" cy="2591866"/>
           </a:xfrm>
           <a:prstGeom prst="rect">
             <a:avLst/>
@@ -6525,10 +6495,10 @@
       </p:pic>
       <p:pic>
         <p:nvPicPr>
-          <p:cNvPr id="5" name="Kép 4">
+          <p:cNvPr id="9" name="Kép 8">
             <a:extLst>
               <a:ext uri="{FF2B5EF4-FFF2-40B4-BE49-F238E27FC236}">
-                <a16:creationId xmlns:a16="http://schemas.microsoft.com/office/drawing/2014/main" id="{D3C016C7-84CD-4A96-A799-428C1958CFF0}"/>
+                <a16:creationId xmlns:a16="http://schemas.microsoft.com/office/drawing/2014/main" id="{FBC3EE0B-6E8B-9768-C706-4304ECD0AA32}"/>
               </a:ext>
             </a:extLst>
           </p:cNvPr>
@@ -6545,8 +6515,8 @@
         </p:blipFill>
         <p:spPr>
           <a:xfrm>
-            <a:off x="4500979" y="4385311"/>
-            <a:ext cx="7109077" cy="1846814"/>
+            <a:off x="4857583" y="4462528"/>
+            <a:ext cx="6753225" cy="1879465"/>
           </a:xfrm>
           <a:prstGeom prst="rect">
             <a:avLst/>
@@ -6635,7 +6605,7 @@
         </p:spPr>
         <p:txBody>
           <a:bodyPr>
-            <a:normAutofit lnSpcReduction="10000"/>
+            <a:normAutofit fontScale="92500" lnSpcReduction="20000"/>
           </a:bodyPr>
           <a:lstStyle/>
           <a:p>
@@ -6678,6 +6648,16 @@
             <a:r>
               <a:rPr lang="hu-HU" dirty="0"/>
               <a:t>Nem</a:t>
+            </a:r>
+          </a:p>
+          <a:p>
+            <a:pPr marL="342900" indent="-342900">
+              <a:buFont typeface="+mj-lt"/>
+              <a:buAutoNum type="arabicPeriod"/>
+            </a:pPr>
+            <a:r>
+              <a:rPr lang="hu-HU" dirty="0"/>
+              <a:t>Ár</a:t>
             </a:r>
           </a:p>
           <a:p>
@@ -6747,10 +6727,10 @@
       </p:sp>
       <p:pic>
         <p:nvPicPr>
-          <p:cNvPr id="5" name="Kép 4">
+          <p:cNvPr id="6" name="Kép 5">
             <a:extLst>
               <a:ext uri="{FF2B5EF4-FFF2-40B4-BE49-F238E27FC236}">
-                <a16:creationId xmlns:a16="http://schemas.microsoft.com/office/drawing/2014/main" id="{22115E4E-328E-4347-AE14-BA02F1B46AB2}"/>
+                <a16:creationId xmlns:a16="http://schemas.microsoft.com/office/drawing/2014/main" id="{4394A01B-ED90-9237-B60C-1911D5253D84}"/>
               </a:ext>
             </a:extLst>
           </p:cNvPr>
@@ -6767,8 +6747,38 @@
         </p:blipFill>
         <p:spPr>
           <a:xfrm>
-            <a:off x="3858838" y="2449794"/>
-            <a:ext cx="6929505" cy="3413531"/>
+            <a:off x="3400148" y="1866900"/>
+            <a:ext cx="1344182" cy="4991100"/>
+          </a:xfrm>
+          <a:prstGeom prst="rect">
+            <a:avLst/>
+          </a:prstGeom>
+        </p:spPr>
+      </p:pic>
+      <p:pic>
+        <p:nvPicPr>
+          <p:cNvPr id="10" name="Kép 9">
+            <a:extLst>
+              <a:ext uri="{FF2B5EF4-FFF2-40B4-BE49-F238E27FC236}">
+                <a16:creationId xmlns:a16="http://schemas.microsoft.com/office/drawing/2014/main" id="{44DC4195-E4B5-4F1A-C6A8-5C68B3E6FA23}"/>
+              </a:ext>
+            </a:extLst>
+          </p:cNvPr>
+          <p:cNvPicPr>
+            <a:picLocks noChangeAspect="1"/>
+          </p:cNvPicPr>
+          <p:nvPr/>
+        </p:nvPicPr>
+        <p:blipFill>
+          <a:blip r:embed="rId3"/>
+          <a:stretch>
+            <a:fillRect/>
+          </a:stretch>
+        </p:blipFill>
+        <p:spPr>
+          <a:xfrm>
+            <a:off x="5493561" y="1971249"/>
+            <a:ext cx="5755464" cy="4782402"/>
           </a:xfrm>
           <a:prstGeom prst="rect">
             <a:avLst/>

--- a/Parfümvilág.pptx
+++ b/Parfümvilág.pptx
@@ -4033,10 +4033,10 @@
       </p:sp>
       <p:pic>
         <p:nvPicPr>
-          <p:cNvPr id="6" name="Kép 5">
+          <p:cNvPr id="5" name="Kép 4">
             <a:extLst>
               <a:ext uri="{FF2B5EF4-FFF2-40B4-BE49-F238E27FC236}">
-                <a16:creationId xmlns:a16="http://schemas.microsoft.com/office/drawing/2014/main" id="{2F1E0744-B84D-4874-824D-FD63C5274EA8}"/>
+                <a16:creationId xmlns:a16="http://schemas.microsoft.com/office/drawing/2014/main" id="{04103C5B-721E-3076-2458-FD21DE244F8F}"/>
               </a:ext>
             </a:extLst>
           </p:cNvPr>
@@ -4053,8 +4053,8 @@
         </p:blipFill>
         <p:spPr>
           <a:xfrm>
-            <a:off x="5225070" y="1765531"/>
-            <a:ext cx="3553321" cy="1848108"/>
+            <a:off x="2756410" y="2771872"/>
+            <a:ext cx="2076450" cy="2495550"/>
           </a:xfrm>
           <a:prstGeom prst="rect">
             <a:avLst/>
@@ -4063,10 +4063,10 @@
       </p:pic>
       <p:pic>
         <p:nvPicPr>
-          <p:cNvPr id="7" name="Kép 6">
+          <p:cNvPr id="10" name="Kép 9">
             <a:extLst>
               <a:ext uri="{FF2B5EF4-FFF2-40B4-BE49-F238E27FC236}">
-                <a16:creationId xmlns:a16="http://schemas.microsoft.com/office/drawing/2014/main" id="{273E6E34-1AE2-4E5B-8154-9CCA81C0FE09}"/>
+                <a16:creationId xmlns:a16="http://schemas.microsoft.com/office/drawing/2014/main" id="{933FE7CB-9DBE-F1E2-86C4-E2B386228313}"/>
               </a:ext>
             </a:extLst>
           </p:cNvPr>
@@ -4083,8 +4083,8 @@
         </p:blipFill>
         <p:spPr>
           <a:xfrm>
-            <a:off x="5225070" y="3845909"/>
-            <a:ext cx="3429912" cy="2709720"/>
+            <a:off x="9170601" y="3429000"/>
+            <a:ext cx="2382382" cy="2177562"/>
           </a:xfrm>
           <a:prstGeom prst="rect">
             <a:avLst/>
@@ -4093,10 +4093,10 @@
       </p:pic>
       <p:pic>
         <p:nvPicPr>
-          <p:cNvPr id="8" name="Kép 7">
+          <p:cNvPr id="12" name="Kép 11">
             <a:extLst>
               <a:ext uri="{FF2B5EF4-FFF2-40B4-BE49-F238E27FC236}">
-                <a16:creationId xmlns:a16="http://schemas.microsoft.com/office/drawing/2014/main" id="{6BA58AA6-D902-4659-9EDD-EAF05CD1DB54}"/>
+                <a16:creationId xmlns:a16="http://schemas.microsoft.com/office/drawing/2014/main" id="{02F01D98-CAA8-1C99-8432-2EAC95E7DE0D}"/>
               </a:ext>
             </a:extLst>
           </p:cNvPr>
@@ -4113,8 +4113,38 @@
         </p:blipFill>
         <p:spPr>
           <a:xfrm>
-            <a:off x="8963236" y="3089491"/>
-            <a:ext cx="3043303" cy="2228560"/>
+            <a:off x="5944455" y="2033684"/>
+            <a:ext cx="2114550" cy="1476375"/>
+          </a:xfrm>
+          <a:prstGeom prst="rect">
+            <a:avLst/>
+          </a:prstGeom>
+        </p:spPr>
+      </p:pic>
+      <p:pic>
+        <p:nvPicPr>
+          <p:cNvPr id="14" name="Kép 13">
+            <a:extLst>
+              <a:ext uri="{FF2B5EF4-FFF2-40B4-BE49-F238E27FC236}">
+                <a16:creationId xmlns:a16="http://schemas.microsoft.com/office/drawing/2014/main" id="{56AA27EF-B950-13FE-8E9B-A9ECB4422E1A}"/>
+              </a:ext>
+            </a:extLst>
+          </p:cNvPr>
+          <p:cNvPicPr>
+            <a:picLocks noChangeAspect="1"/>
+          </p:cNvPicPr>
+          <p:nvPr/>
+        </p:nvPicPr>
+        <p:blipFill>
+          <a:blip r:embed="rId5"/>
+          <a:stretch>
+            <a:fillRect/>
+          </a:stretch>
+        </p:blipFill>
+        <p:spPr>
+          <a:xfrm>
+            <a:off x="5977792" y="3827787"/>
+            <a:ext cx="2047875" cy="2305050"/>
           </a:xfrm>
           <a:prstGeom prst="rect">
             <a:avLst/>
@@ -4231,10 +4261,10 @@
       </p:sp>
       <p:pic>
         <p:nvPicPr>
-          <p:cNvPr id="4" name="Kép 3">
+          <p:cNvPr id="9" name="Kép 8">
             <a:extLst>
               <a:ext uri="{FF2B5EF4-FFF2-40B4-BE49-F238E27FC236}">
-                <a16:creationId xmlns:a16="http://schemas.microsoft.com/office/drawing/2014/main" id="{6A0FF9F9-C77F-4E4F-992A-0FDFEE9E8629}"/>
+                <a16:creationId xmlns:a16="http://schemas.microsoft.com/office/drawing/2014/main" id="{B6057922-C057-6D4F-7AF0-4D3C7F4AB5C2}"/>
               </a:ext>
             </a:extLst>
           </p:cNvPr>
@@ -4251,8 +4281,8 @@
         </p:blipFill>
         <p:spPr>
           <a:xfrm>
-            <a:off x="2249741" y="2876334"/>
-            <a:ext cx="3460982" cy="3015868"/>
+            <a:off x="2652712" y="3214687"/>
+            <a:ext cx="1895475" cy="2105025"/>
           </a:xfrm>
           <a:prstGeom prst="rect">
             <a:avLst/>
@@ -4261,10 +4291,10 @@
       </p:pic>
       <p:pic>
         <p:nvPicPr>
-          <p:cNvPr id="5" name="Kép 4">
+          <p:cNvPr id="11" name="Kép 10">
             <a:extLst>
               <a:ext uri="{FF2B5EF4-FFF2-40B4-BE49-F238E27FC236}">
-                <a16:creationId xmlns:a16="http://schemas.microsoft.com/office/drawing/2014/main" id="{8A9A6F83-4118-461E-A177-CD9369A889C5}"/>
+                <a16:creationId xmlns:a16="http://schemas.microsoft.com/office/drawing/2014/main" id="{3E54EEC9-0BA6-DD90-C0C9-3B843B2D0EB1}"/>
               </a:ext>
             </a:extLst>
           </p:cNvPr>
@@ -4281,8 +4311,8 @@
         </p:blipFill>
         <p:spPr>
           <a:xfrm>
-            <a:off x="8697975" y="3429000"/>
-            <a:ext cx="2532277" cy="1911152"/>
+            <a:off x="5207709" y="2090737"/>
+            <a:ext cx="2095500" cy="1857375"/>
           </a:xfrm>
           <a:prstGeom prst="rect">
             <a:avLst/>
@@ -4291,10 +4321,10 @@
       </p:pic>
       <p:pic>
         <p:nvPicPr>
-          <p:cNvPr id="6" name="Kép 5">
+          <p:cNvPr id="13" name="Kép 12">
             <a:extLst>
               <a:ext uri="{FF2B5EF4-FFF2-40B4-BE49-F238E27FC236}">
-                <a16:creationId xmlns:a16="http://schemas.microsoft.com/office/drawing/2014/main" id="{820246E8-97BF-4C39-8CBE-1E153C5E60BE}"/>
+                <a16:creationId xmlns:a16="http://schemas.microsoft.com/office/drawing/2014/main" id="{D5BCCD40-DEA1-7FB0-23DE-66320B503553}"/>
               </a:ext>
             </a:extLst>
           </p:cNvPr>
@@ -4311,8 +4341,8 @@
         </p:blipFill>
         <p:spPr>
           <a:xfrm>
-            <a:off x="5974532" y="2435659"/>
-            <a:ext cx="2613988" cy="1948609"/>
+            <a:off x="5179134" y="4443009"/>
+            <a:ext cx="2124075" cy="1847850"/>
           </a:xfrm>
           <a:prstGeom prst="rect">
             <a:avLst/>
@@ -4321,10 +4351,10 @@
       </p:pic>
       <p:pic>
         <p:nvPicPr>
-          <p:cNvPr id="7" name="Kép 6">
+          <p:cNvPr id="15" name="Kép 14">
             <a:extLst>
               <a:ext uri="{FF2B5EF4-FFF2-40B4-BE49-F238E27FC236}">
-                <a16:creationId xmlns:a16="http://schemas.microsoft.com/office/drawing/2014/main" id="{00AC7CFB-A0C2-48EF-AEAF-5306FFFD61FD}"/>
+                <a16:creationId xmlns:a16="http://schemas.microsoft.com/office/drawing/2014/main" id="{E955A377-B4A3-B091-AA8A-9B80DC96AD8D}"/>
               </a:ext>
             </a:extLst>
           </p:cNvPr>
@@ -4341,8 +4371,8 @@
         </p:blipFill>
         <p:spPr>
           <a:xfrm>
-            <a:off x="5974532" y="4580472"/>
-            <a:ext cx="2613988" cy="2009640"/>
+            <a:off x="8491538" y="3328986"/>
+            <a:ext cx="2095500" cy="1876425"/>
           </a:xfrm>
           <a:prstGeom prst="rect">
             <a:avLst/>
